--- a/US_Food_Drug_Admin2.pptx
+++ b/US_Food_Drug_Admin2.pptx
@@ -121,6 +121,120 @@
     </p:ext>
   </p:extLst>
 </p:presentation>
+</file>
+
+<file path=ppt/changesInfos/changesInfo1.xml><?xml version="1.0" encoding="utf-8"?>
+<pc:chgInfo xmlns:a="http://schemas.openxmlformats.org/drawingml/2006/main" xmlns:r="http://schemas.openxmlformats.org/officeDocument/2006/relationships" xmlns:ac="http://schemas.microsoft.com/office/drawing/2013/main/command" xmlns:pc="http://schemas.microsoft.com/office/powerpoint/2013/main/command">
+  <pc:docChgLst>
+    <pc:chgData name="Twilla Gerling" userId="4622359d57fa3b90" providerId="LiveId" clId="{CAC5FFF2-1FD6-4F25-BA77-1AFB537410B5}"/>
+    <pc:docChg chg="custSel modSld">
+      <pc:chgData name="Twilla Gerling" userId="4622359d57fa3b90" providerId="LiveId" clId="{CAC5FFF2-1FD6-4F25-BA77-1AFB537410B5}" dt="2021-11-10T20:29:18.819" v="16" actId="14100"/>
+      <pc:docMkLst>
+        <pc:docMk/>
+      </pc:docMkLst>
+      <pc:sldChg chg="delSp modSp mod">
+        <pc:chgData name="Twilla Gerling" userId="4622359d57fa3b90" providerId="LiveId" clId="{CAC5FFF2-1FD6-4F25-BA77-1AFB537410B5}" dt="2021-11-10T20:27:53.631" v="7" actId="1076"/>
+        <pc:sldMkLst>
+          <pc:docMk/>
+          <pc:sldMk cId="708650183" sldId="258"/>
+        </pc:sldMkLst>
+        <pc:picChg chg="del">
+          <ac:chgData name="Twilla Gerling" userId="4622359d57fa3b90" providerId="LiveId" clId="{CAC5FFF2-1FD6-4F25-BA77-1AFB537410B5}" dt="2021-11-10T20:27:24.386" v="2" actId="478"/>
+          <ac:picMkLst>
+            <pc:docMk/>
+            <pc:sldMk cId="708650183" sldId="258"/>
+            <ac:picMk id="10" creationId="{893694BA-E6C9-4ADA-8334-2C4DAF74ED01}"/>
+          </ac:picMkLst>
+        </pc:picChg>
+        <pc:picChg chg="mod">
+          <ac:chgData name="Twilla Gerling" userId="4622359d57fa3b90" providerId="LiveId" clId="{CAC5FFF2-1FD6-4F25-BA77-1AFB537410B5}" dt="2021-11-10T20:27:37.824" v="4" actId="14100"/>
+          <ac:picMkLst>
+            <pc:docMk/>
+            <pc:sldMk cId="708650183" sldId="258"/>
+            <ac:picMk id="12" creationId="{62C7370F-BEF9-4119-835D-8B22BDA299B0}"/>
+          </ac:picMkLst>
+        </pc:picChg>
+        <pc:picChg chg="mod">
+          <ac:chgData name="Twilla Gerling" userId="4622359d57fa3b90" providerId="LiveId" clId="{CAC5FFF2-1FD6-4F25-BA77-1AFB537410B5}" dt="2021-11-10T20:27:53.631" v="7" actId="1076"/>
+          <ac:picMkLst>
+            <pc:docMk/>
+            <pc:sldMk cId="708650183" sldId="258"/>
+            <ac:picMk id="15" creationId="{EF775980-B8FE-4D73-A1D0-BE666F2482C1}"/>
+          </ac:picMkLst>
+        </pc:picChg>
+      </pc:sldChg>
+      <pc:sldChg chg="delSp mod">
+        <pc:chgData name="Twilla Gerling" userId="4622359d57fa3b90" providerId="LiveId" clId="{CAC5FFF2-1FD6-4F25-BA77-1AFB537410B5}" dt="2021-11-10T20:28:41.507" v="8" actId="478"/>
+        <pc:sldMkLst>
+          <pc:docMk/>
+          <pc:sldMk cId="154014913" sldId="260"/>
+        </pc:sldMkLst>
+        <pc:picChg chg="del">
+          <ac:chgData name="Twilla Gerling" userId="4622359d57fa3b90" providerId="LiveId" clId="{CAC5FFF2-1FD6-4F25-BA77-1AFB537410B5}" dt="2021-11-10T20:28:41.507" v="8" actId="478"/>
+          <ac:picMkLst>
+            <pc:docMk/>
+            <pc:sldMk cId="154014913" sldId="260"/>
+            <ac:picMk id="17" creationId="{13DECDF7-CFF2-4C5D-B3A1-2D4BF5134EEA}"/>
+          </ac:picMkLst>
+        </pc:picChg>
+      </pc:sldChg>
+      <pc:sldChg chg="delSp modSp mod">
+        <pc:chgData name="Twilla Gerling" userId="4622359d57fa3b90" providerId="LiveId" clId="{CAC5FFF2-1FD6-4F25-BA77-1AFB537410B5}" dt="2021-11-10T20:29:18.819" v="16" actId="14100"/>
+        <pc:sldMkLst>
+          <pc:docMk/>
+          <pc:sldMk cId="3722077588" sldId="261"/>
+        </pc:sldMkLst>
+        <pc:picChg chg="mod">
+          <ac:chgData name="Twilla Gerling" userId="4622359d57fa3b90" providerId="LiveId" clId="{CAC5FFF2-1FD6-4F25-BA77-1AFB537410B5}" dt="2021-11-10T20:29:18.819" v="16" actId="14100"/>
+          <ac:picMkLst>
+            <pc:docMk/>
+            <pc:sldMk cId="3722077588" sldId="261"/>
+            <ac:picMk id="6" creationId="{AEBE6606-E2DB-4E28-BE48-6D0257158CD8}"/>
+          </ac:picMkLst>
+        </pc:picChg>
+        <pc:picChg chg="del">
+          <ac:chgData name="Twilla Gerling" userId="4622359d57fa3b90" providerId="LiveId" clId="{CAC5FFF2-1FD6-4F25-BA77-1AFB537410B5}" dt="2021-11-10T20:28:58.295" v="10" actId="478"/>
+          <ac:picMkLst>
+            <pc:docMk/>
+            <pc:sldMk cId="3722077588" sldId="261"/>
+            <ac:picMk id="8" creationId="{07A9A5A5-D9BE-4D54-A460-CA86483F4642}"/>
+          </ac:picMkLst>
+        </pc:picChg>
+        <pc:picChg chg="del">
+          <ac:chgData name="Twilla Gerling" userId="4622359d57fa3b90" providerId="LiveId" clId="{CAC5FFF2-1FD6-4F25-BA77-1AFB537410B5}" dt="2021-11-10T20:28:53.773" v="9" actId="478"/>
+          <ac:picMkLst>
+            <pc:docMk/>
+            <pc:sldMk cId="3722077588" sldId="261"/>
+            <ac:picMk id="10" creationId="{D8A80310-71E1-47EF-88C9-ACFD8C545C83}"/>
+          </ac:picMkLst>
+        </pc:picChg>
+        <pc:picChg chg="mod">
+          <ac:chgData name="Twilla Gerling" userId="4622359d57fa3b90" providerId="LiveId" clId="{CAC5FFF2-1FD6-4F25-BA77-1AFB537410B5}" dt="2021-11-10T20:29:04.472" v="12" actId="14100"/>
+          <ac:picMkLst>
+            <pc:docMk/>
+            <pc:sldMk cId="3722077588" sldId="261"/>
+            <ac:picMk id="13" creationId="{BCC9788D-A9A8-4993-8FD2-26136E8CF5C5}"/>
+          </ac:picMkLst>
+        </pc:picChg>
+      </pc:sldChg>
+      <pc:sldChg chg="modSp mod">
+        <pc:chgData name="Twilla Gerling" userId="4622359d57fa3b90" providerId="LiveId" clId="{CAC5FFF2-1FD6-4F25-BA77-1AFB537410B5}" dt="2021-11-10T20:14:31.169" v="1" actId="20577"/>
+        <pc:sldMkLst>
+          <pc:docMk/>
+          <pc:sldMk cId="3697184592" sldId="264"/>
+        </pc:sldMkLst>
+        <pc:spChg chg="mod">
+          <ac:chgData name="Twilla Gerling" userId="4622359d57fa3b90" providerId="LiveId" clId="{CAC5FFF2-1FD6-4F25-BA77-1AFB537410B5}" dt="2021-11-10T20:14:31.169" v="1" actId="20577"/>
+          <ac:spMkLst>
+            <pc:docMk/>
+            <pc:sldMk cId="3697184592" sldId="264"/>
+            <ac:spMk id="2" creationId="{9BACADAD-96A1-4845-8E41-B29E635F3CC6}"/>
+          </ac:spMkLst>
+        </pc:spChg>
+      </pc:sldChg>
+    </pc:docChg>
+  </pc:docChgLst>
+</pc:chgInfo>
 </file>
 
 <file path=ppt/notesMasters/notesMaster1.xml><?xml version="1.0" encoding="utf-8"?>
@@ -3942,12 +4056,12 @@
           <a:p>
             <a:pPr algn="ctr"/>
             <a:r>
-              <a:rPr lang="en-US" sz="3600">
+              <a:rPr lang="en-US" sz="3600" dirty="0">
                 <a:solidFill>
                   <a:srgbClr val="FFFFFF"/>
                 </a:solidFill>
               </a:rPr>
-              <a:t>Distrobution of the Data</a:t>
+              <a:t>Distribution of the Data</a:t>
             </a:r>
           </a:p>
         </p:txBody>
@@ -4109,7 +4223,7 @@
         <p:spPr>
           <a:xfrm>
             <a:off x="1108075" y="1844675"/>
-            <a:ext cx="3278188" cy="2098675"/>
+            <a:ext cx="5004072" cy="3203575"/>
           </a:xfrm>
           <a:prstGeom prst="rect">
             <a:avLst/>
@@ -4138,38 +4252,8 @@
         </p:blipFill>
         <p:spPr>
           <a:xfrm>
-            <a:off x="1108075" y="4011613"/>
-            <a:ext cx="3278188" cy="2282825"/>
-          </a:xfrm>
-          <a:prstGeom prst="rect">
-            <a:avLst/>
-          </a:prstGeom>
-        </p:spPr>
-      </p:pic>
-      <p:pic>
-        <p:nvPicPr>
-          <p:cNvPr id="10" name="Picture 9" descr="Chart, line chart&#10;&#10;Description automatically generated">
-            <a:extLst>
-              <a:ext uri="{FF2B5EF4-FFF2-40B4-BE49-F238E27FC236}">
-                <a16:creationId xmlns:a16="http://schemas.microsoft.com/office/drawing/2014/main" id="{893694BA-E6C9-4ADA-8334-2C4DAF74ED01}"/>
-              </a:ext>
-            </a:extLst>
-          </p:cNvPr>
-          <p:cNvPicPr>
-            <a:picLocks noChangeAspect="1"/>
-          </p:cNvPicPr>
-          <p:nvPr/>
-        </p:nvPicPr>
-        <p:blipFill>
-          <a:blip r:embed="rId4"/>
-          <a:stretch>
-            <a:fillRect/>
-          </a:stretch>
-        </p:blipFill>
-        <p:spPr>
-          <a:xfrm>
-            <a:off x="4454525" y="1844675"/>
-            <a:ext cx="6624638" cy="4449763"/>
+            <a:off x="6270625" y="1844674"/>
+            <a:ext cx="4600406" cy="3203575"/>
           </a:xfrm>
           <a:prstGeom prst="rect">
             <a:avLst/>
@@ -4205,7 +4289,7 @@
           <a:lstStyle/>
           <a:p>
             <a:r>
-              <a:rPr lang="en-US" sz="4800" kern="1200">
+              <a:rPr lang="en-US" sz="4800" kern="1200" dirty="0">
                 <a:latin typeface="+mj-lt"/>
                 <a:ea typeface="+mj-ea"/>
                 <a:cs typeface="+mj-cs"/>
@@ -4698,36 +4782,6 @@
           </a:prstGeom>
         </p:spPr>
       </p:pic>
-      <p:pic>
-        <p:nvPicPr>
-          <p:cNvPr id="17" name="Picture 16">
-            <a:extLst>
-              <a:ext uri="{FF2B5EF4-FFF2-40B4-BE49-F238E27FC236}">
-                <a16:creationId xmlns:a16="http://schemas.microsoft.com/office/drawing/2014/main" id="{13DECDF7-CFF2-4C5D-B3A1-2D4BF5134EEA}"/>
-              </a:ext>
-            </a:extLst>
-          </p:cNvPr>
-          <p:cNvPicPr>
-            <a:picLocks noChangeAspect="1"/>
-          </p:cNvPicPr>
-          <p:nvPr/>
-        </p:nvPicPr>
-        <p:blipFill>
-          <a:blip r:embed="rId4"/>
-          <a:stretch>
-            <a:fillRect/>
-          </a:stretch>
-        </p:blipFill>
-        <p:spPr>
-          <a:xfrm>
-            <a:off x="8192673" y="2734801"/>
-            <a:ext cx="3797536" cy="3142460"/>
-          </a:xfrm>
-          <a:prstGeom prst="rect">
-            <a:avLst/>
-          </a:prstGeom>
-        </p:spPr>
-      </p:pic>
     </p:spTree>
     <p:extLst>
       <p:ext uri="{BB962C8B-B14F-4D97-AF65-F5344CB8AC3E}">
@@ -4864,66 +4918,6 @@
       </p:sp>
       <p:pic>
         <p:nvPicPr>
-          <p:cNvPr id="10" name="Picture 9">
-            <a:extLst>
-              <a:ext uri="{FF2B5EF4-FFF2-40B4-BE49-F238E27FC236}">
-                <a16:creationId xmlns:a16="http://schemas.microsoft.com/office/drawing/2014/main" id="{D8A80310-71E1-47EF-88C9-ACFD8C545C83}"/>
-              </a:ext>
-            </a:extLst>
-          </p:cNvPr>
-          <p:cNvPicPr>
-            <a:picLocks noChangeAspect="1"/>
-          </p:cNvPicPr>
-          <p:nvPr/>
-        </p:nvPicPr>
-        <p:blipFill>
-          <a:blip r:embed="rId3"/>
-          <a:stretch>
-            <a:fillRect/>
-          </a:stretch>
-        </p:blipFill>
-        <p:spPr>
-          <a:xfrm>
-            <a:off x="-85791" y="1525033"/>
-            <a:ext cx="3759203" cy="2094240"/>
-          </a:xfrm>
-          <a:prstGeom prst="rect">
-            <a:avLst/>
-          </a:prstGeom>
-        </p:spPr>
-      </p:pic>
-      <p:pic>
-        <p:nvPicPr>
-          <p:cNvPr id="8" name="Picture 7">
-            <a:extLst>
-              <a:ext uri="{FF2B5EF4-FFF2-40B4-BE49-F238E27FC236}">
-                <a16:creationId xmlns:a16="http://schemas.microsoft.com/office/drawing/2014/main" id="{07A9A5A5-D9BE-4D54-A460-CA86483F4642}"/>
-              </a:ext>
-            </a:extLst>
-          </p:cNvPr>
-          <p:cNvPicPr>
-            <a:picLocks noChangeAspect="1"/>
-          </p:cNvPicPr>
-          <p:nvPr/>
-        </p:nvPicPr>
-        <p:blipFill>
-          <a:blip r:embed="rId4"/>
-          <a:stretch>
-            <a:fillRect/>
-          </a:stretch>
-        </p:blipFill>
-        <p:spPr>
-          <a:xfrm>
-            <a:off x="4108516" y="2785948"/>
-            <a:ext cx="3797536" cy="3077071"/>
-          </a:xfrm>
-          <a:prstGeom prst="rect">
-            <a:avLst/>
-          </a:prstGeom>
-        </p:spPr>
-      </p:pic>
-      <p:pic>
-        <p:nvPicPr>
           <p:cNvPr id="6" name="Picture 5" descr="Calendar&#10;&#10;Description automatically generated">
             <a:extLst>
               <a:ext uri="{FF2B5EF4-FFF2-40B4-BE49-F238E27FC236}">
@@ -4937,7 +4931,7 @@
           <p:nvPr/>
         </p:nvPicPr>
         <p:blipFill>
-          <a:blip r:embed="rId5">
+          <a:blip r:embed="rId3">
             <a:extLst>
               <a:ext uri="{28A0092B-C50C-407E-A947-70E740481C1C}">
                 <a14:useLocalDpi xmlns:a14="http://schemas.microsoft.com/office/drawing/2010/main" val="0"/>
@@ -4950,8 +4944,8 @@
         </p:blipFill>
         <p:spPr>
           <a:xfrm>
-            <a:off x="8192673" y="2785950"/>
-            <a:ext cx="3797536" cy="3077070"/>
+            <a:off x="6573422" y="2335386"/>
+            <a:ext cx="4685127" cy="3248295"/>
           </a:xfrm>
           <a:prstGeom prst="rect">
             <a:avLst/>
@@ -4973,15 +4967,15 @@
           <p:nvPr/>
         </p:nvPicPr>
         <p:blipFill>
-          <a:blip r:embed="rId6"/>
+          <a:blip r:embed="rId4"/>
           <a:stretch>
             <a:fillRect/>
           </a:stretch>
         </p:blipFill>
         <p:spPr>
           <a:xfrm>
-            <a:off x="-85791" y="3878438"/>
-            <a:ext cx="3759203" cy="2406592"/>
+            <a:off x="857184" y="2335387"/>
+            <a:ext cx="5085683" cy="3255787"/>
           </a:xfrm>
           <a:prstGeom prst="rect">
             <a:avLst/>
